--- a/Lecture 0/Lecture_0_v2.pptx
+++ b/Lecture 0/Lecture_0_v2.pptx
@@ -3457,6 +3457,19 @@
             <a:r>
               <a:rPr lang="en-US" dirty="0"/>
               <a:t>21 May 2025</a:t>
+            </a:r>
+          </a:p>
+          <a:p>
+            <a:r>
+              <a:rPr lang="en-US" dirty="0"/>
+              <a:t>Seroanalytics Training</a:t>
+            </a:r>
+            <a:br>
+              <a:rPr lang="en-US" dirty="0"/>
+            </a:br>
+            <a:r>
+              <a:rPr lang="en-US" dirty="0"/>
+              <a:t>Blantyre, Malawi</a:t>
             </a:r>
           </a:p>
         </p:txBody>
